--- a/2DGP_PPT_최종발표.pptx
+++ b/2DGP_PPT_최종발표.pptx
@@ -5,9 +5,9 @@
     <p:sldMasterId id="2147483648" r:id="rId1"/>
   </p:sldMasterIdLst>
   <p:sldIdLst>
-    <p:sldId id="265" r:id="rId2"/>
-    <p:sldId id="262" r:id="rId3"/>
-    <p:sldId id="257" r:id="rId4"/>
+    <p:sldId id="262" r:id="rId2"/>
+    <p:sldId id="257" r:id="rId3"/>
+    <p:sldId id="263" r:id="rId4"/>
   </p:sldIdLst>
   <p:sldSz cx="12192000" cy="6858000"/>
   <p:notesSz cx="6858000" cy="9144000"/>
@@ -265,7 +265,7 @@
           <a:p>
             <a:fld id="{F04F265E-BE6C-4A09-B310-2E999213E6BC}" type="datetimeFigureOut">
               <a:rPr lang="ko-KR" altLang="en-US" smtClean="0"/>
-              <a:t>2017-12-24</a:t>
+              <a:t>2017-12-26</a:t>
             </a:fld>
             <a:endParaRPr lang="ko-KR" altLang="en-US"/>
           </a:p>
@@ -463,7 +463,7 @@
           <a:p>
             <a:fld id="{F04F265E-BE6C-4A09-B310-2E999213E6BC}" type="datetimeFigureOut">
               <a:rPr lang="ko-KR" altLang="en-US" smtClean="0"/>
-              <a:t>2017-12-24</a:t>
+              <a:t>2017-12-26</a:t>
             </a:fld>
             <a:endParaRPr lang="ko-KR" altLang="en-US"/>
           </a:p>
@@ -671,7 +671,7 @@
           <a:p>
             <a:fld id="{F04F265E-BE6C-4A09-B310-2E999213E6BC}" type="datetimeFigureOut">
               <a:rPr lang="ko-KR" altLang="en-US" smtClean="0"/>
-              <a:t>2017-12-24</a:t>
+              <a:t>2017-12-26</a:t>
             </a:fld>
             <a:endParaRPr lang="ko-KR" altLang="en-US"/>
           </a:p>
@@ -869,7 +869,7 @@
           <a:p>
             <a:fld id="{F04F265E-BE6C-4A09-B310-2E999213E6BC}" type="datetimeFigureOut">
               <a:rPr lang="ko-KR" altLang="en-US" smtClean="0"/>
-              <a:t>2017-12-24</a:t>
+              <a:t>2017-12-26</a:t>
             </a:fld>
             <a:endParaRPr lang="ko-KR" altLang="en-US"/>
           </a:p>
@@ -1144,7 +1144,7 @@
           <a:p>
             <a:fld id="{F04F265E-BE6C-4A09-B310-2E999213E6BC}" type="datetimeFigureOut">
               <a:rPr lang="ko-KR" altLang="en-US" smtClean="0"/>
-              <a:t>2017-12-24</a:t>
+              <a:t>2017-12-26</a:t>
             </a:fld>
             <a:endParaRPr lang="ko-KR" altLang="en-US"/>
           </a:p>
@@ -1409,7 +1409,7 @@
           <a:p>
             <a:fld id="{F04F265E-BE6C-4A09-B310-2E999213E6BC}" type="datetimeFigureOut">
               <a:rPr lang="ko-KR" altLang="en-US" smtClean="0"/>
-              <a:t>2017-12-24</a:t>
+              <a:t>2017-12-26</a:t>
             </a:fld>
             <a:endParaRPr lang="ko-KR" altLang="en-US"/>
           </a:p>
@@ -1821,7 +1821,7 @@
           <a:p>
             <a:fld id="{F04F265E-BE6C-4A09-B310-2E999213E6BC}" type="datetimeFigureOut">
               <a:rPr lang="ko-KR" altLang="en-US" smtClean="0"/>
-              <a:t>2017-12-24</a:t>
+              <a:t>2017-12-26</a:t>
             </a:fld>
             <a:endParaRPr lang="ko-KR" altLang="en-US"/>
           </a:p>
@@ -1962,7 +1962,7 @@
           <a:p>
             <a:fld id="{F04F265E-BE6C-4A09-B310-2E999213E6BC}" type="datetimeFigureOut">
               <a:rPr lang="ko-KR" altLang="en-US" smtClean="0"/>
-              <a:t>2017-12-24</a:t>
+              <a:t>2017-12-26</a:t>
             </a:fld>
             <a:endParaRPr lang="ko-KR" altLang="en-US"/>
           </a:p>
@@ -2075,7 +2075,7 @@
           <a:p>
             <a:fld id="{F04F265E-BE6C-4A09-B310-2E999213E6BC}" type="datetimeFigureOut">
               <a:rPr lang="ko-KR" altLang="en-US" smtClean="0"/>
-              <a:t>2017-12-24</a:t>
+              <a:t>2017-12-26</a:t>
             </a:fld>
             <a:endParaRPr lang="ko-KR" altLang="en-US"/>
           </a:p>
@@ -2386,7 +2386,7 @@
           <a:p>
             <a:fld id="{F04F265E-BE6C-4A09-B310-2E999213E6BC}" type="datetimeFigureOut">
               <a:rPr lang="ko-KR" altLang="en-US" smtClean="0"/>
-              <a:t>2017-12-24</a:t>
+              <a:t>2017-12-26</a:t>
             </a:fld>
             <a:endParaRPr lang="ko-KR" altLang="en-US"/>
           </a:p>
@@ -2674,7 +2674,7 @@
           <a:p>
             <a:fld id="{F04F265E-BE6C-4A09-B310-2E999213E6BC}" type="datetimeFigureOut">
               <a:rPr lang="ko-KR" altLang="en-US" smtClean="0"/>
-              <a:t>2017-12-24</a:t>
+              <a:t>2017-12-26</a:t>
             </a:fld>
             <a:endParaRPr lang="ko-KR" altLang="en-US"/>
           </a:p>
@@ -2924,7 +2924,7 @@
           <a:p>
             <a:fld id="{F04F265E-BE6C-4A09-B310-2E999213E6BC}" type="datetimeFigureOut">
               <a:rPr lang="ko-KR" altLang="en-US" smtClean="0"/>
-              <a:t>2017-12-24</a:t>
+              <a:t>2017-12-26</a:t>
             </a:fld>
             <a:endParaRPr lang="ko-KR" altLang="en-US"/>
           </a:p>
@@ -3330,332 +3330,6 @@
     <p:bg>
       <p:bgPr>
         <a:solidFill>
-          <a:schemeClr val="tx1"/>
-        </a:solidFill>
-        <a:effectLst/>
-      </p:bgPr>
-    </p:bg>
-    <p:spTree>
-      <p:nvGrpSpPr>
-        <p:cNvPr id="1" name=""/>
-        <p:cNvGrpSpPr/>
-        <p:nvPr/>
-      </p:nvGrpSpPr>
-      <p:grpSpPr>
-        <a:xfrm>
-          <a:off x="0" y="0"/>
-          <a:ext cx="0" cy="0"/>
-          <a:chOff x="0" y="0"/>
-          <a:chExt cx="0" cy="0"/>
-        </a:xfrm>
-      </p:grpSpPr>
-      <p:sp>
-        <p:nvSpPr>
-          <p:cNvPr id="40" name="Rectangle 39">
-            <a:extLst>
-              <a:ext uri="{FF2B5EF4-FFF2-40B4-BE49-F238E27FC236}">
-                <a16:creationId xmlns:a16="http://schemas.microsoft.com/office/drawing/2014/main" id="{2A8AA5BC-4F7A-4226-8F99-6D824B226A97}"/>
-              </a:ext>
-            </a:extLst>
-          </p:cNvPr>
-          <p:cNvSpPr>
-            <a:spLocks noGrp="1" noRot="1" noChangeAspect="1" noMove="1" noResize="1" noEditPoints="1" noAdjustHandles="1" noChangeArrowheads="1" noChangeShapeType="1" noTextEdit="1"/>
-          </p:cNvSpPr>
-          <p:nvPr>
-            <p:extLst>
-              <p:ext uri="{386F3935-93C4-4BCD-93E2-E3B085C9AB24}">
-                <p16:designElem xmlns:p16="http://schemas.microsoft.com/office/powerpoint/2015/main" val="1"/>
-              </p:ext>
-            </p:extLst>
-          </p:nvPr>
-        </p:nvSpPr>
-        <p:spPr>
-          <a:xfrm>
-            <a:off x="0" y="-3324"/>
-            <a:ext cx="12192000" cy="6861324"/>
-          </a:xfrm>
-          <a:prstGeom prst="rect">
-            <a:avLst/>
-          </a:prstGeom>
-          <a:solidFill>
-            <a:schemeClr val="tx1"/>
-          </a:solidFill>
-          <a:ln>
-            <a:noFill/>
-          </a:ln>
-        </p:spPr>
-        <p:style>
-          <a:lnRef idx="2">
-            <a:schemeClr val="accent1">
-              <a:shade val="50000"/>
-            </a:schemeClr>
-          </a:lnRef>
-          <a:fillRef idx="1">
-            <a:schemeClr val="accent1"/>
-          </a:fillRef>
-          <a:effectRef idx="0">
-            <a:schemeClr val="accent1"/>
-          </a:effectRef>
-          <a:fontRef idx="minor">
-            <a:schemeClr val="lt1"/>
-          </a:fontRef>
-        </p:style>
-        <p:txBody>
-          <a:bodyPr rtlCol="0" anchor="ctr"/>
-          <a:lstStyle/>
-          <a:p>
-            <a:pPr algn="ctr"/>
-            <a:endParaRPr lang="en-US"/>
-          </a:p>
-        </p:txBody>
-      </p:sp>
-      <p:sp>
-        <p:nvSpPr>
-          <p:cNvPr id="42" name="Rectangle 41">
-            <a:extLst>
-              <a:ext uri="{FF2B5EF4-FFF2-40B4-BE49-F238E27FC236}">
-                <a16:creationId xmlns:a16="http://schemas.microsoft.com/office/drawing/2014/main" id="{3E5445C6-DD42-4979-86FF-03730E8C6DB0}"/>
-              </a:ext>
-            </a:extLst>
-          </p:cNvPr>
-          <p:cNvSpPr>
-            <a:spLocks noGrp="1" noRot="1" noChangeAspect="1" noMove="1" noResize="1" noEditPoints="1" noAdjustHandles="1" noChangeArrowheads="1" noChangeShapeType="1" noTextEdit="1"/>
-          </p:cNvSpPr>
-          <p:nvPr>
-            <p:extLst>
-              <p:ext uri="{386F3935-93C4-4BCD-93E2-E3B085C9AB24}">
-                <p16:designElem xmlns:p16="http://schemas.microsoft.com/office/powerpoint/2015/main" val="1"/>
-              </p:ext>
-            </p:extLst>
-          </p:nvPr>
-        </p:nvSpPr>
-        <p:spPr bwMode="ltGray">
-          <a:xfrm>
-            <a:off x="321734" y="321733"/>
-            <a:ext cx="11573488" cy="6214534"/>
-          </a:xfrm>
-          <a:prstGeom prst="rect">
-            <a:avLst/>
-          </a:prstGeom>
-          <a:solidFill>
-            <a:schemeClr val="bg1">
-              <a:lumMod val="75000"/>
-              <a:lumOff val="25000"/>
-            </a:schemeClr>
-          </a:solidFill>
-          <a:ln w="127000" cap="sq" cmpd="thinThick">
-            <a:solidFill>
-              <a:schemeClr val="bg1">
-                <a:lumMod val="75000"/>
-                <a:lumOff val="25000"/>
-              </a:schemeClr>
-            </a:solidFill>
-          </a:ln>
-        </p:spPr>
-        <p:style>
-          <a:lnRef idx="2">
-            <a:schemeClr val="accent1">
-              <a:shade val="50000"/>
-            </a:schemeClr>
-          </a:lnRef>
-          <a:fillRef idx="1">
-            <a:schemeClr val="accent1"/>
-          </a:fillRef>
-          <a:effectRef idx="0">
-            <a:schemeClr val="accent1"/>
-          </a:effectRef>
-          <a:fontRef idx="minor">
-            <a:schemeClr val="lt1"/>
-          </a:fontRef>
-        </p:style>
-        <p:txBody>
-          <a:bodyPr rtlCol="0" anchor="ctr"/>
-          <a:lstStyle/>
-          <a:p>
-            <a:pPr algn="ctr"/>
-            <a:endParaRPr lang="en-US"/>
-          </a:p>
-        </p:txBody>
-      </p:sp>
-      <p:cxnSp>
-        <p:nvCxnSpPr>
-          <p:cNvPr id="44" name="Straight Connector 43">
-            <a:extLst>
-              <a:ext uri="{FF2B5EF4-FFF2-40B4-BE49-F238E27FC236}">
-                <a16:creationId xmlns:a16="http://schemas.microsoft.com/office/drawing/2014/main" id="{45000665-DFC7-417E-8FD7-516A0F15C975}"/>
-              </a:ext>
-            </a:extLst>
-          </p:cNvPr>
-          <p:cNvCxnSpPr>
-            <a:cxnSpLocks noGrp="1" noRot="1" noChangeAspect="1" noMove="1" noResize="1" noEditPoints="1" noAdjustHandles="1" noChangeArrowheads="1" noChangeShapeType="1"/>
-          </p:cNvCxnSpPr>
-          <p:nvPr>
-            <p:extLst>
-              <p:ext uri="{386F3935-93C4-4BCD-93E2-E3B085C9AB24}">
-                <p16:designElem xmlns:p16="http://schemas.microsoft.com/office/powerpoint/2015/main" val="1"/>
-              </p:ext>
-            </p:extLst>
-          </p:nvPr>
-        </p:nvCxnSpPr>
-        <p:spPr>
-          <a:xfrm>
-            <a:off x="4724400" y="4109417"/>
-            <a:ext cx="2743200" cy="0"/>
-          </a:xfrm>
-          <a:prstGeom prst="line">
-            <a:avLst/>
-          </a:prstGeom>
-          <a:ln w="12700">
-            <a:solidFill>
-              <a:schemeClr val="tx1">
-                <a:lumMod val="85000"/>
-              </a:schemeClr>
-            </a:solidFill>
-          </a:ln>
-        </p:spPr>
-        <p:style>
-          <a:lnRef idx="1">
-            <a:schemeClr val="accent1"/>
-          </a:lnRef>
-          <a:fillRef idx="0">
-            <a:schemeClr val="accent1"/>
-          </a:fillRef>
-          <a:effectRef idx="0">
-            <a:schemeClr val="accent1"/>
-          </a:effectRef>
-          <a:fontRef idx="minor">
-            <a:schemeClr val="tx1"/>
-          </a:fontRef>
-        </p:style>
-      </p:cxnSp>
-      <p:sp>
-        <p:nvSpPr>
-          <p:cNvPr id="3" name="부제목 2">
-            <a:extLst>
-              <a:ext uri="{FF2B5EF4-FFF2-40B4-BE49-F238E27FC236}">
-                <a16:creationId xmlns:a16="http://schemas.microsoft.com/office/drawing/2014/main" id="{500EC6D6-4062-4468-8ECF-D3A2D8DFE1A7}"/>
-              </a:ext>
-            </a:extLst>
-          </p:cNvPr>
-          <p:cNvSpPr>
-            <a:spLocks noGrp="1"/>
-          </p:cNvSpPr>
-          <p:nvPr>
-            <p:ph type="subTitle" idx="1"/>
-          </p:nvPr>
-        </p:nvSpPr>
-        <p:spPr>
-          <a:xfrm>
-            <a:off x="1524000" y="4256436"/>
-            <a:ext cx="9144000" cy="1600818"/>
-          </a:xfrm>
-        </p:spPr>
-        <p:txBody>
-          <a:bodyPr vert="horz" lIns="91440" tIns="45720" rIns="91440" bIns="45720" rtlCol="0">
-            <a:normAutofit/>
-          </a:bodyPr>
-          <a:lstStyle/>
-          <a:p>
-            <a:pPr latinLnBrk="0"/>
-            <a:r>
-              <a:rPr lang="en-US" altLang="ko-KR" kern="1200">
-                <a:solidFill>
-                  <a:schemeClr val="accent1"/>
-                </a:solidFill>
-                <a:latin typeface="+mn-lt"/>
-                <a:ea typeface="+mn-ea"/>
-                <a:cs typeface="+mn-cs"/>
-              </a:rPr>
-              <a:t>2012181026</a:t>
-            </a:r>
-          </a:p>
-          <a:p>
-            <a:pPr latinLnBrk="0"/>
-            <a:r>
-              <a:rPr lang="ko-KR" altLang="en-US" kern="1200">
-                <a:solidFill>
-                  <a:schemeClr val="accent1"/>
-                </a:solidFill>
-                <a:latin typeface="+mn-lt"/>
-                <a:ea typeface="+mn-ea"/>
-                <a:cs typeface="+mn-cs"/>
-              </a:rPr>
-              <a:t>이도연</a:t>
-            </a:r>
-          </a:p>
-        </p:txBody>
-      </p:sp>
-      <p:sp>
-        <p:nvSpPr>
-          <p:cNvPr id="4" name="TextBox 3">
-            <a:extLst>
-              <a:ext uri="{FF2B5EF4-FFF2-40B4-BE49-F238E27FC236}">
-                <a16:creationId xmlns:a16="http://schemas.microsoft.com/office/drawing/2014/main" id="{CB5C7CD6-BC84-4254-9C8E-F7E6B30606E7}"/>
-              </a:ext>
-            </a:extLst>
-          </p:cNvPr>
-          <p:cNvSpPr txBox="1"/>
-          <p:nvPr/>
-        </p:nvSpPr>
-        <p:spPr>
-          <a:xfrm>
-            <a:off x="1524000" y="1122362"/>
-            <a:ext cx="9144000" cy="2840037"/>
-          </a:xfrm>
-          <a:prstGeom prst="rect">
-            <a:avLst/>
-          </a:prstGeom>
-        </p:spPr>
-        <p:txBody>
-          <a:bodyPr vert="horz" lIns="91440" tIns="45720" rIns="91440" bIns="45720" rtlCol="0" anchor="b">
-            <a:normAutofit/>
-          </a:bodyPr>
-          <a:lstStyle/>
-          <a:p>
-            <a:pPr algn="ctr" latinLnBrk="0">
-              <a:lnSpc>
-                <a:spcPct val="90000"/>
-              </a:lnSpc>
-              <a:spcBef>
-                <a:spcPct val="0"/>
-              </a:spcBef>
-              <a:spcAft>
-                <a:spcPts val="600"/>
-              </a:spcAft>
-            </a:pPr>
-            <a:r>
-              <a:rPr lang="en-US" altLang="ko-KR" sz="5800" kern="1200">
-                <a:solidFill>
-                  <a:schemeClr val="tx1"/>
-                </a:solidFill>
-                <a:latin typeface="+mj-lt"/>
-                <a:ea typeface="+mj-ea"/>
-                <a:cs typeface="+mj-cs"/>
-              </a:rPr>
-              <a:t>At Midnight</a:t>
-            </a:r>
-          </a:p>
-        </p:txBody>
-      </p:sp>
-    </p:spTree>
-    <p:extLst>
-      <p:ext uri="{BB962C8B-B14F-4D97-AF65-F5344CB8AC3E}">
-        <p14:creationId xmlns:p14="http://schemas.microsoft.com/office/powerpoint/2010/main" val="2192618303"/>
-      </p:ext>
-    </p:extLst>
-  </p:cSld>
-  <p:clrMapOvr>
-    <a:overrideClrMapping bg1="dk1" tx1="lt1" bg2="dk2" tx2="lt2" accent1="accent1" accent2="accent2" accent3="accent3" accent4="accent4" accent5="accent5" accent6="accent6" hlink="hlink" folHlink="folHlink"/>
-  </p:clrMapOvr>
-</p:sld>
-</file>
-
-<file path=ppt/slides/slide2.xml><?xml version="1.0" encoding="utf-8"?>
-<p:sld xmlns:a="http://schemas.openxmlformats.org/drawingml/2006/main" xmlns:r="http://schemas.openxmlformats.org/officeDocument/2006/relationships" xmlns:p="http://schemas.openxmlformats.org/presentationml/2006/main">
-  <p:cSld>
-    <p:bg>
-      <p:bgPr>
-        <a:solidFill>
           <a:schemeClr val="bg1">
             <a:tint val="95000"/>
             <a:satMod val="170000"/>
@@ -4113,7 +3787,7 @@
 </p:sld>
 </file>
 
-<file path=ppt/slides/slide3.xml><?xml version="1.0" encoding="utf-8"?>
+<file path=ppt/slides/slide2.xml><?xml version="1.0" encoding="utf-8"?>
 <p:sld xmlns:a="http://schemas.openxmlformats.org/drawingml/2006/main" xmlns:r="http://schemas.openxmlformats.org/officeDocument/2006/relationships" xmlns:p="http://schemas.openxmlformats.org/presentationml/2006/main">
   <p:cSld>
     <p:bg>
@@ -5318,6 +4992,473 @@
     <p:extLst>
       <p:ext uri="{BB962C8B-B14F-4D97-AF65-F5344CB8AC3E}">
         <p14:creationId xmlns:p14="http://schemas.microsoft.com/office/powerpoint/2010/main" val="2987224716"/>
+      </p:ext>
+    </p:extLst>
+  </p:cSld>
+  <p:clrMapOvr>
+    <a:overrideClrMapping bg1="dk1" tx1="lt1" bg2="dk2" tx2="lt2" accent1="accent1" accent2="accent2" accent3="accent3" accent4="accent4" accent5="accent5" accent6="accent6" hlink="hlink" folHlink="folHlink"/>
+  </p:clrMapOvr>
+</p:sld>
+</file>
+
+<file path=ppt/slides/slide3.xml><?xml version="1.0" encoding="utf-8"?>
+<p:sld xmlns:a="http://schemas.openxmlformats.org/drawingml/2006/main" xmlns:r="http://schemas.openxmlformats.org/officeDocument/2006/relationships" xmlns:p="http://schemas.openxmlformats.org/presentationml/2006/main">
+  <p:cSld>
+    <p:bg>
+      <p:bgPr>
+        <a:solidFill>
+          <a:srgbClr val="404040"/>
+        </a:solidFill>
+        <a:effectLst/>
+      </p:bgPr>
+    </p:bg>
+    <p:spTree>
+      <p:nvGrpSpPr>
+        <p:cNvPr id="1" name=""/>
+        <p:cNvGrpSpPr/>
+        <p:nvPr/>
+      </p:nvGrpSpPr>
+      <p:grpSpPr>
+        <a:xfrm>
+          <a:off x="0" y="0"/>
+          <a:ext cx="0" cy="0"/>
+          <a:chOff x="0" y="0"/>
+          <a:chExt cx="0" cy="0"/>
+        </a:xfrm>
+      </p:grpSpPr>
+      <p:sp>
+        <p:nvSpPr>
+          <p:cNvPr id="22" name="Rectangle 16">
+            <a:extLst>
+              <a:ext uri="{FF2B5EF4-FFF2-40B4-BE49-F238E27FC236}">
+                <a16:creationId xmlns:a16="http://schemas.microsoft.com/office/drawing/2014/main" id="{EA67B5B4-3A24-436E-B663-1B2EBFF8A0CD}"/>
+              </a:ext>
+            </a:extLst>
+          </p:cNvPr>
+          <p:cNvSpPr>
+            <a:spLocks noGrp="1" noRot="1" noChangeAspect="1" noMove="1" noResize="1" noEditPoints="1" noAdjustHandles="1" noChangeArrowheads="1" noChangeShapeType="1" noTextEdit="1"/>
+          </p:cNvSpPr>
+          <p:nvPr>
+            <p:extLst>
+              <p:ext uri="{386F3935-93C4-4BCD-93E2-E3B085C9AB24}">
+                <p16:designElem xmlns:p16="http://schemas.microsoft.com/office/powerpoint/2015/main" val="1"/>
+              </p:ext>
+            </p:extLst>
+          </p:nvPr>
+        </p:nvSpPr>
+        <p:spPr>
+          <a:xfrm>
+            <a:off x="0" y="-3324"/>
+            <a:ext cx="12192000" cy="6861324"/>
+          </a:xfrm>
+          <a:prstGeom prst="rect">
+            <a:avLst/>
+          </a:prstGeom>
+          <a:solidFill>
+            <a:srgbClr val="404040"/>
+          </a:solidFill>
+          <a:ln>
+            <a:noFill/>
+          </a:ln>
+        </p:spPr>
+        <p:style>
+          <a:lnRef idx="2">
+            <a:schemeClr val="accent1">
+              <a:shade val="50000"/>
+            </a:schemeClr>
+          </a:lnRef>
+          <a:fillRef idx="1">
+            <a:schemeClr val="accent1"/>
+          </a:fillRef>
+          <a:effectRef idx="0">
+            <a:schemeClr val="accent1"/>
+          </a:effectRef>
+          <a:fontRef idx="minor">
+            <a:schemeClr val="lt1"/>
+          </a:fontRef>
+        </p:style>
+        <p:txBody>
+          <a:bodyPr rtlCol="0" anchor="ctr"/>
+          <a:lstStyle/>
+          <a:p>
+            <a:pPr algn="ctr"/>
+            <a:endParaRPr lang="en-US"/>
+          </a:p>
+        </p:txBody>
+      </p:sp>
+      <p:sp>
+        <p:nvSpPr>
+          <p:cNvPr id="23" name="Freeform 13">
+            <a:extLst>
+              <a:ext uri="{FF2B5EF4-FFF2-40B4-BE49-F238E27FC236}">
+                <a16:creationId xmlns:a16="http://schemas.microsoft.com/office/drawing/2014/main" id="{987FDF89-C993-41F4-A1B8-DBAFF16008A9}"/>
+              </a:ext>
+            </a:extLst>
+          </p:cNvPr>
+          <p:cNvSpPr>
+            <a:spLocks noGrp="1" noRot="1" noChangeAspect="1" noMove="1" noResize="1" noEditPoints="1" noAdjustHandles="1" noChangeArrowheads="1" noChangeShapeType="1" noTextEdit="1"/>
+          </p:cNvSpPr>
+          <p:nvPr>
+            <p:extLst>
+              <p:ext uri="{386F3935-93C4-4BCD-93E2-E3B085C9AB24}">
+                <p16:designElem xmlns:p16="http://schemas.microsoft.com/office/powerpoint/2015/main" val="1"/>
+              </p:ext>
+            </p:extLst>
+          </p:nvPr>
+        </p:nvSpPr>
+        <p:spPr>
+          <a:xfrm>
+            <a:off x="0" y="0"/>
+            <a:ext cx="11786754" cy="6858000"/>
+          </a:xfrm>
+          <a:custGeom>
+            <a:avLst/>
+            <a:gdLst>
+              <a:gd name="connsiteX0" fmla="*/ 0 w 11786754"/>
+              <a:gd name="connsiteY0" fmla="*/ 0 h 6858000"/>
+              <a:gd name="connsiteX1" fmla="*/ 8610600 w 11786754"/>
+              <a:gd name="connsiteY1" fmla="*/ 0 h 6858000"/>
+              <a:gd name="connsiteX2" fmla="*/ 11786754 w 11786754"/>
+              <a:gd name="connsiteY2" fmla="*/ 6858000 h 6858000"/>
+              <a:gd name="connsiteX3" fmla="*/ 0 w 11786754"/>
+              <a:gd name="connsiteY3" fmla="*/ 6858000 h 6858000"/>
+            </a:gdLst>
+            <a:ahLst/>
+            <a:cxnLst>
+              <a:cxn ang="0">
+                <a:pos x="connsiteX0" y="connsiteY0"/>
+              </a:cxn>
+              <a:cxn ang="0">
+                <a:pos x="connsiteX1" y="connsiteY1"/>
+              </a:cxn>
+              <a:cxn ang="0">
+                <a:pos x="connsiteX2" y="connsiteY2"/>
+              </a:cxn>
+              <a:cxn ang="0">
+                <a:pos x="connsiteX3" y="connsiteY3"/>
+              </a:cxn>
+            </a:cxnLst>
+            <a:rect l="l" t="t" r="r" b="b"/>
+            <a:pathLst>
+              <a:path w="11786754" h="6858000">
+                <a:moveTo>
+                  <a:pt x="0" y="0"/>
+                </a:moveTo>
+                <a:lnTo>
+                  <a:pt x="8610600" y="0"/>
+                </a:lnTo>
+                <a:lnTo>
+                  <a:pt x="11786754" y="6858000"/>
+                </a:lnTo>
+                <a:lnTo>
+                  <a:pt x="0" y="6858000"/>
+                </a:lnTo>
+                <a:close/>
+              </a:path>
+            </a:pathLst>
+          </a:custGeom>
+          <a:solidFill>
+            <a:schemeClr val="bg1">
+              <a:alpha val="30000"/>
+            </a:schemeClr>
+          </a:solidFill>
+          <a:ln>
+            <a:noFill/>
+          </a:ln>
+        </p:spPr>
+        <p:style>
+          <a:lnRef idx="2">
+            <a:schemeClr val="accent1">
+              <a:shade val="50000"/>
+            </a:schemeClr>
+          </a:lnRef>
+          <a:fillRef idx="1">
+            <a:schemeClr val="accent1"/>
+          </a:fillRef>
+          <a:effectRef idx="0">
+            <a:schemeClr val="accent1"/>
+          </a:effectRef>
+          <a:fontRef idx="minor">
+            <a:schemeClr val="lt1"/>
+          </a:fontRef>
+        </p:style>
+        <p:txBody>
+          <a:bodyPr rtlCol="0" anchor="ctr"/>
+          <a:lstStyle/>
+          <a:p>
+            <a:pPr algn="ctr"/>
+            <a:endParaRPr lang="en-US"/>
+          </a:p>
+        </p:txBody>
+      </p:sp>
+      <p:sp>
+        <p:nvSpPr>
+          <p:cNvPr id="21" name="Freeform 11">
+            <a:extLst>
+              <a:ext uri="{FF2B5EF4-FFF2-40B4-BE49-F238E27FC236}">
+                <a16:creationId xmlns:a16="http://schemas.microsoft.com/office/drawing/2014/main" id="{64E585EA-75FD-4025-8270-F66A58A15CDA}"/>
+              </a:ext>
+            </a:extLst>
+          </p:cNvPr>
+          <p:cNvSpPr>
+            <a:spLocks noGrp="1" noRot="1" noChangeAspect="1" noMove="1" noResize="1" noEditPoints="1" noAdjustHandles="1" noChangeArrowheads="1" noChangeShapeType="1" noTextEdit="1"/>
+          </p:cNvSpPr>
+          <p:nvPr>
+            <p:extLst>
+              <p:ext uri="{386F3935-93C4-4BCD-93E2-E3B085C9AB24}">
+                <p16:designElem xmlns:p16="http://schemas.microsoft.com/office/powerpoint/2015/main" val="1"/>
+              </p:ext>
+            </p:extLst>
+          </p:nvPr>
+        </p:nvSpPr>
+        <p:spPr>
+          <a:xfrm>
+            <a:off x="0" y="0"/>
+            <a:ext cx="3581400" cy="6858000"/>
+          </a:xfrm>
+          <a:custGeom>
+            <a:avLst/>
+            <a:gdLst>
+              <a:gd name="connsiteX0" fmla="*/ 0 w 3581400"/>
+              <a:gd name="connsiteY0" fmla="*/ 0 h 6858000"/>
+              <a:gd name="connsiteX1" fmla="*/ 405246 w 3581400"/>
+              <a:gd name="connsiteY1" fmla="*/ 0 h 6858000"/>
+              <a:gd name="connsiteX2" fmla="*/ 3581400 w 3581400"/>
+              <a:gd name="connsiteY2" fmla="*/ 6858000 h 6858000"/>
+              <a:gd name="connsiteX3" fmla="*/ 0 w 3581400"/>
+              <a:gd name="connsiteY3" fmla="*/ 6858000 h 6858000"/>
+            </a:gdLst>
+            <a:ahLst/>
+            <a:cxnLst>
+              <a:cxn ang="0">
+                <a:pos x="connsiteX0" y="connsiteY0"/>
+              </a:cxn>
+              <a:cxn ang="0">
+                <a:pos x="connsiteX1" y="connsiteY1"/>
+              </a:cxn>
+              <a:cxn ang="0">
+                <a:pos x="connsiteX2" y="connsiteY2"/>
+              </a:cxn>
+              <a:cxn ang="0">
+                <a:pos x="connsiteX3" y="connsiteY3"/>
+              </a:cxn>
+            </a:cxnLst>
+            <a:rect l="l" t="t" r="r" b="b"/>
+            <a:pathLst>
+              <a:path w="3581400" h="6858000">
+                <a:moveTo>
+                  <a:pt x="0" y="0"/>
+                </a:moveTo>
+                <a:lnTo>
+                  <a:pt x="405246" y="0"/>
+                </a:lnTo>
+                <a:lnTo>
+                  <a:pt x="3581400" y="6858000"/>
+                </a:lnTo>
+                <a:lnTo>
+                  <a:pt x="0" y="6858000"/>
+                </a:lnTo>
+                <a:close/>
+              </a:path>
+            </a:pathLst>
+          </a:custGeom>
+          <a:solidFill>
+            <a:schemeClr val="bg1">
+              <a:alpha val="30000"/>
+            </a:schemeClr>
+          </a:solidFill>
+          <a:ln>
+            <a:noFill/>
+          </a:ln>
+        </p:spPr>
+        <p:style>
+          <a:lnRef idx="2">
+            <a:schemeClr val="accent1">
+              <a:shade val="50000"/>
+            </a:schemeClr>
+          </a:lnRef>
+          <a:fillRef idx="1">
+            <a:schemeClr val="accent1"/>
+          </a:fillRef>
+          <a:effectRef idx="0">
+            <a:schemeClr val="accent1"/>
+          </a:effectRef>
+          <a:fontRef idx="minor">
+            <a:schemeClr val="lt1"/>
+          </a:fontRef>
+        </p:style>
+        <p:txBody>
+          <a:bodyPr wrap="square" rtlCol="0" anchor="ctr">
+            <a:noAutofit/>
+          </a:bodyPr>
+          <a:lstStyle/>
+          <a:p>
+            <a:pPr algn="ctr"/>
+            <a:endParaRPr lang="en-US"/>
+          </a:p>
+        </p:txBody>
+      </p:sp>
+      <p:sp>
+        <p:nvSpPr>
+          <p:cNvPr id="3" name="내용 개체 틀 2">
+            <a:extLst>
+              <a:ext uri="{FF2B5EF4-FFF2-40B4-BE49-F238E27FC236}">
+                <a16:creationId xmlns:a16="http://schemas.microsoft.com/office/drawing/2014/main" id="{8113302C-B959-43A2-B06F-9E61AAF00A5A}"/>
+              </a:ext>
+            </a:extLst>
+          </p:cNvPr>
+          <p:cNvSpPr>
+            <a:spLocks noGrp="1"/>
+          </p:cNvSpPr>
+          <p:nvPr>
+            <p:ph idx="1"/>
+          </p:nvPr>
+        </p:nvSpPr>
+        <p:spPr>
+          <a:xfrm>
+            <a:off x="838201" y="800291"/>
+            <a:ext cx="10515598" cy="4154361"/>
+          </a:xfrm>
+        </p:spPr>
+        <p:txBody>
+          <a:bodyPr>
+            <a:normAutofit/>
+          </a:bodyPr>
+          <a:lstStyle/>
+          <a:p>
+            <a:r>
+              <a:rPr lang="ko-KR" altLang="en-US" sz="3600" b="1" dirty="0"/>
+              <a:t>잘된 점</a:t>
+            </a:r>
+            <a:endParaRPr lang="en-US" altLang="ko-KR" sz="3600" b="1" dirty="0"/>
+          </a:p>
+          <a:p>
+            <a:pPr marL="0" indent="0">
+              <a:buNone/>
+            </a:pPr>
+            <a:r>
+              <a:rPr lang="en-US" altLang="ko-KR" sz="2000" dirty="0"/>
+              <a:t>   </a:t>
+            </a:r>
+            <a:r>
+              <a:rPr lang="ko-KR" altLang="en-US" sz="2000" dirty="0"/>
+              <a:t>각 스테이지 별로 내가 생각한 사운드를 잘 넣은 것 같고</a:t>
+            </a:r>
+            <a:r>
+              <a:rPr lang="en-US" altLang="ko-KR" sz="2000" dirty="0"/>
+              <a:t>, </a:t>
+            </a:r>
+            <a:r>
+              <a:rPr lang="ko-KR" altLang="en-US" sz="2000" dirty="0"/>
+              <a:t>스테이지 별로 리소스 제작</a:t>
+            </a:r>
+            <a:endParaRPr lang="en-US" altLang="ko-KR" sz="2000" dirty="0"/>
+          </a:p>
+          <a:p>
+            <a:pPr marL="0" indent="0">
+              <a:buNone/>
+            </a:pPr>
+            <a:r>
+              <a:rPr lang="en-US" altLang="ko-KR" sz="2000" dirty="0"/>
+              <a:t>   </a:t>
+            </a:r>
+            <a:r>
+              <a:rPr lang="ko-KR" altLang="en-US" sz="2000" dirty="0"/>
+              <a:t>이 잘 된 것 같습니다</a:t>
+            </a:r>
+            <a:r>
+              <a:rPr lang="en-US" altLang="ko-KR" sz="2000" dirty="0"/>
+              <a:t>.</a:t>
+            </a:r>
+            <a:r>
+              <a:rPr lang="ko-KR" altLang="en-US" sz="2000" dirty="0"/>
+              <a:t> </a:t>
+            </a:r>
+            <a:endParaRPr lang="en-US" altLang="ko-KR" sz="2000" dirty="0"/>
+          </a:p>
+          <a:p>
+            <a:pPr marL="0" indent="0">
+              <a:buNone/>
+            </a:pPr>
+            <a:endParaRPr lang="en-US" altLang="ko-KR" sz="2000" dirty="0"/>
+          </a:p>
+          <a:p>
+            <a:r>
+              <a:rPr lang="ko-KR" altLang="en-US" sz="3200" b="1" dirty="0"/>
+              <a:t>아쉬운 점</a:t>
+            </a:r>
+            <a:endParaRPr lang="en-US" altLang="ko-KR" sz="2000" b="1" dirty="0"/>
+          </a:p>
+          <a:p>
+            <a:pPr marL="0" indent="0">
+              <a:buNone/>
+            </a:pPr>
+            <a:r>
+              <a:rPr lang="en-US" altLang="ko-KR" sz="2000" dirty="0"/>
+              <a:t>   </a:t>
+            </a:r>
+            <a:r>
+              <a:rPr lang="ko-KR" altLang="en-US" sz="2000" dirty="0"/>
+              <a:t>스테이지를 처음 기획했던 것과 달리 </a:t>
+            </a:r>
+            <a:r>
+              <a:rPr lang="en-US" altLang="ko-KR" sz="2000" dirty="0"/>
+              <a:t>2</a:t>
+            </a:r>
+            <a:r>
+              <a:rPr lang="ko-KR" altLang="en-US" sz="2000" dirty="0"/>
+              <a:t>개 밖에 제작하지 못하여서 아쉬웠고</a:t>
+            </a:r>
+            <a:r>
+              <a:rPr lang="en-US" altLang="ko-KR" sz="2000" dirty="0"/>
+              <a:t>,</a:t>
+            </a:r>
+          </a:p>
+          <a:p>
+            <a:pPr marL="0" indent="0">
+              <a:buNone/>
+            </a:pPr>
+            <a:r>
+              <a:rPr lang="en-US" altLang="ko-KR" sz="2000" dirty="0"/>
+              <a:t>   </a:t>
+            </a:r>
+            <a:r>
+              <a:rPr lang="ko-KR" altLang="en-US" sz="2000" dirty="0"/>
+              <a:t>코어기능인 상태 </a:t>
+            </a:r>
+            <a:r>
+              <a:rPr lang="ko-KR" altLang="en-US" sz="2000" dirty="0" err="1"/>
+              <a:t>알림창을</a:t>
+            </a:r>
+            <a:r>
+              <a:rPr lang="ko-KR" altLang="en-US" sz="2000" dirty="0"/>
+              <a:t> 제작하는 도중 이런저런 버그 및 문제가 많이 생겨서 구현</a:t>
+            </a:r>
+            <a:endParaRPr lang="en-US" altLang="ko-KR" sz="2000" dirty="0"/>
+          </a:p>
+          <a:p>
+            <a:pPr marL="0" indent="0">
+              <a:buNone/>
+            </a:pPr>
+            <a:r>
+              <a:rPr lang="en-US" altLang="ko-KR" sz="2000" dirty="0"/>
+              <a:t>  </a:t>
+            </a:r>
+            <a:r>
+              <a:rPr lang="ko-KR" altLang="en-US" sz="2000" dirty="0"/>
+              <a:t>하지 못한 점이 많이 아쉬운 점입니다</a:t>
+            </a:r>
+            <a:r>
+              <a:rPr lang="en-US" altLang="ko-KR" sz="2000" dirty="0"/>
+              <a:t>.</a:t>
+            </a:r>
+          </a:p>
+        </p:txBody>
+      </p:sp>
+    </p:spTree>
+    <p:extLst>
+      <p:ext uri="{BB962C8B-B14F-4D97-AF65-F5344CB8AC3E}">
+        <p14:creationId xmlns:p14="http://schemas.microsoft.com/office/powerpoint/2010/main" val="65433770"/>
       </p:ext>
     </p:extLst>
   </p:cSld>
